--- a/zjazd_4/raport.pptx
+++ b/zjazd_4/raport.pptx
@@ -3135,7 +3135,7 @@
             </a:r>
           </a:p>
           <a:p>
-            <a:pPr lvl="1"/>
+            <a:pPr lvl="2"/>
             <a:r>
               <a:t>Przeżyło</a:t>
             </a:r>
